--- a/Docs/Images/Diagrams.pptx
+++ b/Docs/Images/Diagrams.pptx
@@ -6,6 +6,7 @@
   </p:sldMasterIdLst>
   <p:sldIdLst>
     <p:sldId id="256" r:id="rId2"/>
+    <p:sldId id="257" r:id="rId3"/>
   </p:sldIdLst>
   <p:sldSz cx="12192000" cy="6858000"/>
   <p:notesSz cx="6858000" cy="9144000"/>
@@ -107,7 +108,12 @@
   <p:extLst>
     <p:ext uri="{EFAFB233-063F-42B5-8137-9DF3F51BA10A}">
       <p15:sldGuideLst xmlns:p15="http://schemas.microsoft.com/office/powerpoint/2012/main">
-        <p15:guide id="2" pos="3840" userDrawn="1">
+        <p15:guide id="2" userDrawn="1">
+          <p15:clr>
+            <a:srgbClr val="A4A3A4"/>
+          </p15:clr>
+        </p15:guide>
+        <p15:guide id="3" orient="horz" pos="4320" userDrawn="1">
           <p15:clr>
             <a:srgbClr val="A4A3A4"/>
           </p15:clr>
@@ -265,7 +271,7 @@
           <a:p>
             <a:fld id="{76925CA4-DDD4-46B8-9B55-509940D2FB22}" type="datetimeFigureOut">
               <a:rPr lang="en-US" smtClean="0"/>
-              <a:t>9/22/2019</a:t>
+              <a:t>9/23/2019</a:t>
             </a:fld>
             <a:endParaRPr lang="en-US"/>
           </a:p>
@@ -463,7 +469,7 @@
           <a:p>
             <a:fld id="{76925CA4-DDD4-46B8-9B55-509940D2FB22}" type="datetimeFigureOut">
               <a:rPr lang="en-US" smtClean="0"/>
-              <a:t>9/22/2019</a:t>
+              <a:t>9/23/2019</a:t>
             </a:fld>
             <a:endParaRPr lang="en-US"/>
           </a:p>
@@ -671,7 +677,7 @@
           <a:p>
             <a:fld id="{76925CA4-DDD4-46B8-9B55-509940D2FB22}" type="datetimeFigureOut">
               <a:rPr lang="en-US" smtClean="0"/>
-              <a:t>9/22/2019</a:t>
+              <a:t>9/23/2019</a:t>
             </a:fld>
             <a:endParaRPr lang="en-US"/>
           </a:p>
@@ -869,7 +875,7 @@
           <a:p>
             <a:fld id="{76925CA4-DDD4-46B8-9B55-509940D2FB22}" type="datetimeFigureOut">
               <a:rPr lang="en-US" smtClean="0"/>
-              <a:t>9/22/2019</a:t>
+              <a:t>9/23/2019</a:t>
             </a:fld>
             <a:endParaRPr lang="en-US"/>
           </a:p>
@@ -1144,7 +1150,7 @@
           <a:p>
             <a:fld id="{76925CA4-DDD4-46B8-9B55-509940D2FB22}" type="datetimeFigureOut">
               <a:rPr lang="en-US" smtClean="0"/>
-              <a:t>9/22/2019</a:t>
+              <a:t>9/23/2019</a:t>
             </a:fld>
             <a:endParaRPr lang="en-US"/>
           </a:p>
@@ -1409,7 +1415,7 @@
           <a:p>
             <a:fld id="{76925CA4-DDD4-46B8-9B55-509940D2FB22}" type="datetimeFigureOut">
               <a:rPr lang="en-US" smtClean="0"/>
-              <a:t>9/22/2019</a:t>
+              <a:t>9/23/2019</a:t>
             </a:fld>
             <a:endParaRPr lang="en-US"/>
           </a:p>
@@ -1821,7 +1827,7 @@
           <a:p>
             <a:fld id="{76925CA4-DDD4-46B8-9B55-509940D2FB22}" type="datetimeFigureOut">
               <a:rPr lang="en-US" smtClean="0"/>
-              <a:t>9/22/2019</a:t>
+              <a:t>9/23/2019</a:t>
             </a:fld>
             <a:endParaRPr lang="en-US"/>
           </a:p>
@@ -1962,7 +1968,7 @@
           <a:p>
             <a:fld id="{76925CA4-DDD4-46B8-9B55-509940D2FB22}" type="datetimeFigureOut">
               <a:rPr lang="en-US" smtClean="0"/>
-              <a:t>9/22/2019</a:t>
+              <a:t>9/23/2019</a:t>
             </a:fld>
             <a:endParaRPr lang="en-US"/>
           </a:p>
@@ -2075,7 +2081,7 @@
           <a:p>
             <a:fld id="{76925CA4-DDD4-46B8-9B55-509940D2FB22}" type="datetimeFigureOut">
               <a:rPr lang="en-US" smtClean="0"/>
-              <a:t>9/22/2019</a:t>
+              <a:t>9/23/2019</a:t>
             </a:fld>
             <a:endParaRPr lang="en-US"/>
           </a:p>
@@ -2386,7 +2392,7 @@
           <a:p>
             <a:fld id="{76925CA4-DDD4-46B8-9B55-509940D2FB22}" type="datetimeFigureOut">
               <a:rPr lang="en-US" smtClean="0"/>
-              <a:t>9/22/2019</a:t>
+              <a:t>9/23/2019</a:t>
             </a:fld>
             <a:endParaRPr lang="en-US"/>
           </a:p>
@@ -2674,7 +2680,7 @@
           <a:p>
             <a:fld id="{76925CA4-DDD4-46B8-9B55-509940D2FB22}" type="datetimeFigureOut">
               <a:rPr lang="en-US" smtClean="0"/>
-              <a:t>9/22/2019</a:t>
+              <a:t>9/23/2019</a:t>
             </a:fld>
             <a:endParaRPr lang="en-US"/>
           </a:p>
@@ -2915,7 +2921,7 @@
           <a:p>
             <a:fld id="{76925CA4-DDD4-46B8-9B55-509940D2FB22}" type="datetimeFigureOut">
               <a:rPr lang="en-US" smtClean="0"/>
-              <a:t>9/22/2019</a:t>
+              <a:t>9/23/2019</a:t>
             </a:fld>
             <a:endParaRPr lang="en-US"/>
           </a:p>
@@ -4509,6 +4515,921 @@
 </p:sld>
 </file>
 
+<file path=ppt/slides/slide2.xml><?xml version="1.0" encoding="utf-8"?>
+<p:sld xmlns:a="http://schemas.openxmlformats.org/drawingml/2006/main" xmlns:r="http://schemas.openxmlformats.org/officeDocument/2006/relationships" xmlns:p="http://schemas.openxmlformats.org/presentationml/2006/main">
+  <p:cSld>
+    <p:spTree>
+      <p:nvGrpSpPr>
+        <p:cNvPr id="1" name=""/>
+        <p:cNvGrpSpPr/>
+        <p:nvPr/>
+      </p:nvGrpSpPr>
+      <p:grpSpPr>
+        <a:xfrm>
+          <a:off x="0" y="0"/>
+          <a:ext cx="0" cy="0"/>
+          <a:chOff x="0" y="0"/>
+          <a:chExt cx="0" cy="0"/>
+        </a:xfrm>
+      </p:grpSpPr>
+      <p:sp>
+        <p:nvSpPr>
+          <p:cNvPr id="33" name="Rectangle 32">
+            <a:extLst>
+              <a:ext uri="{FF2B5EF4-FFF2-40B4-BE49-F238E27FC236}">
+                <a16:creationId xmlns:a16="http://schemas.microsoft.com/office/drawing/2014/main" id="{68BE6625-F4DB-4CF7-8F87-357E3563AC47}"/>
+              </a:ext>
+            </a:extLst>
+          </p:cNvPr>
+          <p:cNvSpPr/>
+          <p:nvPr/>
+        </p:nvSpPr>
+        <p:spPr>
+          <a:xfrm>
+            <a:off x="2421485" y="-47141"/>
+            <a:ext cx="6411931" cy="6639438"/>
+          </a:xfrm>
+          <a:prstGeom prst="rect">
+            <a:avLst/>
+          </a:prstGeom>
+          <a:solidFill>
+            <a:schemeClr val="bg1"/>
+          </a:solidFill>
+          <a:ln>
+            <a:solidFill>
+              <a:schemeClr val="bg1"/>
+            </a:solidFill>
+          </a:ln>
+        </p:spPr>
+        <p:style>
+          <a:lnRef idx="2">
+            <a:schemeClr val="accent1">
+              <a:shade val="50000"/>
+            </a:schemeClr>
+          </a:lnRef>
+          <a:fillRef idx="1">
+            <a:schemeClr val="accent1"/>
+          </a:fillRef>
+          <a:effectRef idx="0">
+            <a:schemeClr val="accent1"/>
+          </a:effectRef>
+          <a:fontRef idx="minor">
+            <a:schemeClr val="lt1"/>
+          </a:fontRef>
+        </p:style>
+        <p:txBody>
+          <a:bodyPr rtlCol="0" anchor="ctr"/>
+          <a:lstStyle/>
+          <a:p>
+            <a:pPr algn="ctr"/>
+            <a:endParaRPr lang="en-US"/>
+          </a:p>
+        </p:txBody>
+      </p:sp>
+      <p:pic>
+        <p:nvPicPr>
+          <p:cNvPr id="1028" name="Picture 4" descr="Image result for router icon">
+            <a:extLst>
+              <a:ext uri="{FF2B5EF4-FFF2-40B4-BE49-F238E27FC236}">
+                <a16:creationId xmlns:a16="http://schemas.microsoft.com/office/drawing/2014/main" id="{363C4800-21FA-41E9-8969-61594574FF72}"/>
+              </a:ext>
+            </a:extLst>
+          </p:cNvPr>
+          <p:cNvPicPr>
+            <a:picLocks noChangeAspect="1" noChangeArrowheads="1"/>
+          </p:cNvPicPr>
+          <p:nvPr/>
+        </p:nvPicPr>
+        <p:blipFill>
+          <a:blip r:embed="rId2">
+            <a:extLst>
+              <a:ext uri="{28A0092B-C50C-407E-A947-70E740481C1C}">
+                <a14:useLocalDpi xmlns:a14="http://schemas.microsoft.com/office/drawing/2010/main" val="0"/>
+              </a:ext>
+            </a:extLst>
+          </a:blip>
+          <a:srcRect/>
+          <a:stretch>
+            <a:fillRect/>
+          </a:stretch>
+        </p:blipFill>
+        <p:spPr bwMode="auto">
+          <a:xfrm>
+            <a:off x="7375350" y="265703"/>
+            <a:ext cx="1058260" cy="1058260"/>
+          </a:xfrm>
+          <a:prstGeom prst="rect">
+            <a:avLst/>
+          </a:prstGeom>
+          <a:noFill/>
+          <a:extLst>
+            <a:ext uri="{909E8E84-426E-40DD-AFC4-6F175D3DCCD1}">
+              <a14:hiddenFill xmlns:a14="http://schemas.microsoft.com/office/drawing/2010/main">
+                <a:solidFill>
+                  <a:srgbClr val="FFFFFF"/>
+                </a:solidFill>
+              </a14:hiddenFill>
+            </a:ext>
+          </a:extLst>
+        </p:spPr>
+      </p:pic>
+      <p:pic>
+        <p:nvPicPr>
+          <p:cNvPr id="1026" name="Picture 2" descr="Image result for webcam icon">
+            <a:extLst>
+              <a:ext uri="{FF2B5EF4-FFF2-40B4-BE49-F238E27FC236}">
+                <a16:creationId xmlns:a16="http://schemas.microsoft.com/office/drawing/2014/main" id="{3423E393-2C19-4B5F-A0DC-1B4E068A4785}"/>
+              </a:ext>
+            </a:extLst>
+          </p:cNvPr>
+          <p:cNvPicPr>
+            <a:picLocks noChangeAspect="1" noChangeArrowheads="1"/>
+          </p:cNvPicPr>
+          <p:nvPr/>
+        </p:nvPicPr>
+        <p:blipFill>
+          <a:blip r:embed="rId3">
+            <a:extLst>
+              <a:ext uri="{28A0092B-C50C-407E-A947-70E740481C1C}">
+                <a14:useLocalDpi xmlns:a14="http://schemas.microsoft.com/office/drawing/2010/main" val="0"/>
+              </a:ext>
+            </a:extLst>
+          </a:blip>
+          <a:srcRect/>
+          <a:stretch>
+            <a:fillRect/>
+          </a:stretch>
+        </p:blipFill>
+        <p:spPr bwMode="auto">
+          <a:xfrm rot="10800000">
+            <a:off x="5627451" y="1512219"/>
+            <a:ext cx="468549" cy="468549"/>
+          </a:xfrm>
+          <a:prstGeom prst="rect">
+            <a:avLst/>
+          </a:prstGeom>
+          <a:noFill/>
+          <a:extLst>
+            <a:ext uri="{909E8E84-426E-40DD-AFC4-6F175D3DCCD1}">
+              <a14:hiddenFill xmlns:a14="http://schemas.microsoft.com/office/drawing/2010/main">
+                <a:solidFill>
+                  <a:srgbClr val="FFFFFF"/>
+                </a:solidFill>
+              </a14:hiddenFill>
+            </a:ext>
+          </a:extLst>
+        </p:spPr>
+      </p:pic>
+      <p:cxnSp>
+        <p:nvCxnSpPr>
+          <p:cNvPr id="13" name="Straight Connector 12">
+            <a:extLst>
+              <a:ext uri="{FF2B5EF4-FFF2-40B4-BE49-F238E27FC236}">
+                <a16:creationId xmlns:a16="http://schemas.microsoft.com/office/drawing/2014/main" id="{A70F26FE-B3E4-4934-BC58-E56CF6C88000}"/>
+              </a:ext>
+            </a:extLst>
+          </p:cNvPr>
+          <p:cNvCxnSpPr/>
+          <p:nvPr/>
+        </p:nvCxnSpPr>
+        <p:spPr>
+          <a:xfrm flipV="1">
+            <a:off x="3098259" y="5404042"/>
+            <a:ext cx="1018161" cy="716601"/>
+          </a:xfrm>
+          <a:prstGeom prst="line">
+            <a:avLst/>
+          </a:prstGeom>
+          <a:ln>
+            <a:solidFill>
+              <a:schemeClr val="tx1"/>
+            </a:solidFill>
+          </a:ln>
+        </p:spPr>
+        <p:style>
+          <a:lnRef idx="1">
+            <a:schemeClr val="accent1"/>
+          </a:lnRef>
+          <a:fillRef idx="0">
+            <a:schemeClr val="accent1"/>
+          </a:fillRef>
+          <a:effectRef idx="0">
+            <a:schemeClr val="accent1"/>
+          </a:effectRef>
+          <a:fontRef idx="minor">
+            <a:schemeClr val="tx1"/>
+          </a:fontRef>
+        </p:style>
+      </p:cxnSp>
+      <p:cxnSp>
+        <p:nvCxnSpPr>
+          <p:cNvPr id="15" name="Straight Connector 14">
+            <a:extLst>
+              <a:ext uri="{FF2B5EF4-FFF2-40B4-BE49-F238E27FC236}">
+                <a16:creationId xmlns:a16="http://schemas.microsoft.com/office/drawing/2014/main" id="{11371B92-C792-47B6-B36A-E84978445A8F}"/>
+              </a:ext>
+            </a:extLst>
+          </p:cNvPr>
+          <p:cNvCxnSpPr/>
+          <p:nvPr/>
+        </p:nvCxnSpPr>
+        <p:spPr>
+          <a:xfrm flipV="1">
+            <a:off x="7251969" y="5404042"/>
+            <a:ext cx="1018161" cy="716601"/>
+          </a:xfrm>
+          <a:prstGeom prst="line">
+            <a:avLst/>
+          </a:prstGeom>
+          <a:ln>
+            <a:solidFill>
+              <a:schemeClr val="tx1"/>
+            </a:solidFill>
+          </a:ln>
+        </p:spPr>
+        <p:style>
+          <a:lnRef idx="1">
+            <a:schemeClr val="accent1"/>
+          </a:lnRef>
+          <a:fillRef idx="0">
+            <a:schemeClr val="accent1"/>
+          </a:fillRef>
+          <a:effectRef idx="0">
+            <a:schemeClr val="accent1"/>
+          </a:effectRef>
+          <a:fontRef idx="minor">
+            <a:schemeClr val="tx1"/>
+          </a:fontRef>
+        </p:style>
+      </p:cxnSp>
+      <p:cxnSp>
+        <p:nvCxnSpPr>
+          <p:cNvPr id="22" name="Straight Connector 21">
+            <a:extLst>
+              <a:ext uri="{FF2B5EF4-FFF2-40B4-BE49-F238E27FC236}">
+                <a16:creationId xmlns:a16="http://schemas.microsoft.com/office/drawing/2014/main" id="{D25C5B47-B90B-4958-94B1-289ACFAEA680}"/>
+              </a:ext>
+            </a:extLst>
+          </p:cNvPr>
+          <p:cNvCxnSpPr>
+            <a:stCxn id="1026" idx="3"/>
+          </p:cNvCxnSpPr>
+          <p:nvPr/>
+        </p:nvCxnSpPr>
+        <p:spPr>
+          <a:xfrm flipH="1">
+            <a:off x="3098259" y="1746493"/>
+            <a:ext cx="2529192" cy="4374150"/>
+          </a:xfrm>
+          <a:prstGeom prst="line">
+            <a:avLst/>
+          </a:prstGeom>
+        </p:spPr>
+        <p:style>
+          <a:lnRef idx="1">
+            <a:schemeClr val="accent1"/>
+          </a:lnRef>
+          <a:fillRef idx="0">
+            <a:schemeClr val="accent1"/>
+          </a:fillRef>
+          <a:effectRef idx="0">
+            <a:schemeClr val="accent1"/>
+          </a:effectRef>
+          <a:fontRef idx="minor">
+            <a:schemeClr val="tx1"/>
+          </a:fontRef>
+        </p:style>
+      </p:cxnSp>
+      <p:cxnSp>
+        <p:nvCxnSpPr>
+          <p:cNvPr id="24" name="Straight Connector 23">
+            <a:extLst>
+              <a:ext uri="{FF2B5EF4-FFF2-40B4-BE49-F238E27FC236}">
+                <a16:creationId xmlns:a16="http://schemas.microsoft.com/office/drawing/2014/main" id="{2DA0F488-A6DB-46F0-8FD6-816B1CD4D3D3}"/>
+              </a:ext>
+            </a:extLst>
+          </p:cNvPr>
+          <p:cNvCxnSpPr>
+            <a:stCxn id="1026" idx="3"/>
+          </p:cNvCxnSpPr>
+          <p:nvPr/>
+        </p:nvCxnSpPr>
+        <p:spPr>
+          <a:xfrm flipH="1">
+            <a:off x="4116420" y="1746493"/>
+            <a:ext cx="1511031" cy="3657549"/>
+          </a:xfrm>
+          <a:prstGeom prst="line">
+            <a:avLst/>
+          </a:prstGeom>
+        </p:spPr>
+        <p:style>
+          <a:lnRef idx="1">
+            <a:schemeClr val="accent1"/>
+          </a:lnRef>
+          <a:fillRef idx="0">
+            <a:schemeClr val="accent1"/>
+          </a:fillRef>
+          <a:effectRef idx="0">
+            <a:schemeClr val="accent1"/>
+          </a:effectRef>
+          <a:fontRef idx="minor">
+            <a:schemeClr val="tx1"/>
+          </a:fontRef>
+        </p:style>
+      </p:cxnSp>
+      <p:cxnSp>
+        <p:nvCxnSpPr>
+          <p:cNvPr id="26" name="Straight Connector 25">
+            <a:extLst>
+              <a:ext uri="{FF2B5EF4-FFF2-40B4-BE49-F238E27FC236}">
+                <a16:creationId xmlns:a16="http://schemas.microsoft.com/office/drawing/2014/main" id="{EB7D4F38-6DEA-407B-B4F8-BF196232A2EF}"/>
+              </a:ext>
+            </a:extLst>
+          </p:cNvPr>
+          <p:cNvCxnSpPr>
+            <a:stCxn id="1026" idx="1"/>
+          </p:cNvCxnSpPr>
+          <p:nvPr/>
+        </p:nvCxnSpPr>
+        <p:spPr>
+          <a:xfrm>
+            <a:off x="6096000" y="1746493"/>
+            <a:ext cx="2174130" cy="3657549"/>
+          </a:xfrm>
+          <a:prstGeom prst="line">
+            <a:avLst/>
+          </a:prstGeom>
+        </p:spPr>
+        <p:style>
+          <a:lnRef idx="1">
+            <a:schemeClr val="accent1"/>
+          </a:lnRef>
+          <a:fillRef idx="0">
+            <a:schemeClr val="accent1"/>
+          </a:fillRef>
+          <a:effectRef idx="0">
+            <a:schemeClr val="accent1"/>
+          </a:effectRef>
+          <a:fontRef idx="minor">
+            <a:schemeClr val="tx1"/>
+          </a:fontRef>
+        </p:style>
+      </p:cxnSp>
+      <p:sp>
+        <p:nvSpPr>
+          <p:cNvPr id="29" name="Parallelogram 28">
+            <a:extLst>
+              <a:ext uri="{FF2B5EF4-FFF2-40B4-BE49-F238E27FC236}">
+                <a16:creationId xmlns:a16="http://schemas.microsoft.com/office/drawing/2014/main" id="{CED7A4E5-7D2D-4E56-A5E0-22958723F0D3}"/>
+              </a:ext>
+            </a:extLst>
+          </p:cNvPr>
+          <p:cNvSpPr/>
+          <p:nvPr/>
+        </p:nvSpPr>
+        <p:spPr>
+          <a:xfrm>
+            <a:off x="3147006" y="5404042"/>
+            <a:ext cx="5123124" cy="716601"/>
+          </a:xfrm>
+          <a:prstGeom prst="parallelogram">
+            <a:avLst>
+              <a:gd name="adj" fmla="val 133270"/>
+            </a:avLst>
+          </a:prstGeom>
+          <a:gradFill flip="none" rotWithShape="1">
+            <a:gsLst>
+              <a:gs pos="0">
+                <a:schemeClr val="accent1">
+                  <a:tint val="66000"/>
+                  <a:satMod val="160000"/>
+                </a:schemeClr>
+              </a:gs>
+              <a:gs pos="50000">
+                <a:schemeClr val="accent1">
+                  <a:tint val="44500"/>
+                  <a:satMod val="160000"/>
+                </a:schemeClr>
+              </a:gs>
+              <a:gs pos="100000">
+                <a:schemeClr val="accent1">
+                  <a:tint val="23500"/>
+                  <a:satMod val="160000"/>
+                </a:schemeClr>
+              </a:gs>
+            </a:gsLst>
+            <a:lin ang="0" scaled="1"/>
+            <a:tileRect/>
+          </a:gradFill>
+          <a:ln w="38100">
+            <a:solidFill>
+              <a:srgbClr val="4472C4"/>
+            </a:solidFill>
+          </a:ln>
+        </p:spPr>
+        <p:style>
+          <a:lnRef idx="2">
+            <a:schemeClr val="accent1">
+              <a:shade val="50000"/>
+            </a:schemeClr>
+          </a:lnRef>
+          <a:fillRef idx="1">
+            <a:schemeClr val="accent1"/>
+          </a:fillRef>
+          <a:effectRef idx="0">
+            <a:schemeClr val="accent1"/>
+          </a:effectRef>
+          <a:fontRef idx="minor">
+            <a:schemeClr val="lt1"/>
+          </a:fontRef>
+        </p:style>
+        <p:txBody>
+          <a:bodyPr rtlCol="0" anchor="ctr"/>
+          <a:lstStyle/>
+          <a:p>
+            <a:pPr algn="ctr"/>
+            <a:endParaRPr lang="en-US"/>
+          </a:p>
+        </p:txBody>
+      </p:sp>
+      <p:grpSp>
+        <p:nvGrpSpPr>
+          <p:cNvPr id="30" name="Group 29">
+            <a:extLst>
+              <a:ext uri="{FF2B5EF4-FFF2-40B4-BE49-F238E27FC236}">
+                <a16:creationId xmlns:a16="http://schemas.microsoft.com/office/drawing/2014/main" id="{A9AAF459-BEE6-4A32-902B-4C5D21B5FC68}"/>
+              </a:ext>
+            </a:extLst>
+          </p:cNvPr>
+          <p:cNvGrpSpPr/>
+          <p:nvPr/>
+        </p:nvGrpSpPr>
+        <p:grpSpPr>
+          <a:xfrm>
+            <a:off x="3098259" y="1250332"/>
+            <a:ext cx="5171871" cy="4870311"/>
+            <a:chOff x="3098259" y="976012"/>
+            <a:chExt cx="5171871" cy="4870311"/>
+          </a:xfrm>
+        </p:grpSpPr>
+        <p:sp>
+          <p:nvSpPr>
+            <p:cNvPr id="5" name="Rectangle 4">
+              <a:extLst>
+                <a:ext uri="{FF2B5EF4-FFF2-40B4-BE49-F238E27FC236}">
+                  <a16:creationId xmlns:a16="http://schemas.microsoft.com/office/drawing/2014/main" id="{8F771103-1BE0-4F86-8A50-295DB9296A61}"/>
+                </a:ext>
+              </a:extLst>
+            </p:cNvPr>
+            <p:cNvSpPr/>
+            <p:nvPr/>
+          </p:nvSpPr>
+          <p:spPr>
+            <a:xfrm>
+              <a:off x="3098259" y="1692613"/>
+              <a:ext cx="4153710" cy="4153710"/>
+            </a:xfrm>
+            <a:prstGeom prst="rect">
+              <a:avLst/>
+            </a:prstGeom>
+            <a:noFill/>
+            <a:ln>
+              <a:solidFill>
+                <a:schemeClr val="tx1"/>
+              </a:solidFill>
+            </a:ln>
+          </p:spPr>
+          <p:style>
+            <a:lnRef idx="2">
+              <a:schemeClr val="accent1">
+                <a:shade val="50000"/>
+              </a:schemeClr>
+            </a:lnRef>
+            <a:fillRef idx="1">
+              <a:schemeClr val="accent1"/>
+            </a:fillRef>
+            <a:effectRef idx="0">
+              <a:schemeClr val="accent1"/>
+            </a:effectRef>
+            <a:fontRef idx="minor">
+              <a:schemeClr val="lt1"/>
+            </a:fontRef>
+          </p:style>
+          <p:txBody>
+            <a:bodyPr rtlCol="0" anchor="ctr"/>
+            <a:lstStyle/>
+            <a:p>
+              <a:pPr algn="ctr"/>
+              <a:endParaRPr lang="en-US"/>
+            </a:p>
+          </p:txBody>
+        </p:sp>
+        <p:sp>
+          <p:nvSpPr>
+            <p:cNvPr id="7" name="Rectangle 6">
+              <a:extLst>
+                <a:ext uri="{FF2B5EF4-FFF2-40B4-BE49-F238E27FC236}">
+                  <a16:creationId xmlns:a16="http://schemas.microsoft.com/office/drawing/2014/main" id="{127C4CB3-94B1-4D35-8206-A70493249293}"/>
+                </a:ext>
+              </a:extLst>
+            </p:cNvPr>
+            <p:cNvSpPr/>
+            <p:nvPr/>
+          </p:nvSpPr>
+          <p:spPr>
+            <a:xfrm>
+              <a:off x="4116420" y="976012"/>
+              <a:ext cx="4153710" cy="4153710"/>
+            </a:xfrm>
+            <a:prstGeom prst="rect">
+              <a:avLst/>
+            </a:prstGeom>
+            <a:noFill/>
+            <a:ln>
+              <a:solidFill>
+                <a:schemeClr val="tx1"/>
+              </a:solidFill>
+            </a:ln>
+          </p:spPr>
+          <p:style>
+            <a:lnRef idx="2">
+              <a:schemeClr val="accent1">
+                <a:shade val="50000"/>
+              </a:schemeClr>
+            </a:lnRef>
+            <a:fillRef idx="1">
+              <a:schemeClr val="accent1"/>
+            </a:fillRef>
+            <a:effectRef idx="0">
+              <a:schemeClr val="accent1"/>
+            </a:effectRef>
+            <a:fontRef idx="minor">
+              <a:schemeClr val="lt1"/>
+            </a:fontRef>
+          </p:style>
+          <p:txBody>
+            <a:bodyPr rtlCol="0" anchor="ctr"/>
+            <a:lstStyle/>
+            <a:p>
+              <a:pPr algn="ctr"/>
+              <a:endParaRPr lang="en-US"/>
+            </a:p>
+          </p:txBody>
+        </p:sp>
+        <p:cxnSp>
+          <p:nvCxnSpPr>
+            <p:cNvPr id="8" name="Straight Connector 7">
+              <a:extLst>
+                <a:ext uri="{FF2B5EF4-FFF2-40B4-BE49-F238E27FC236}">
+                  <a16:creationId xmlns:a16="http://schemas.microsoft.com/office/drawing/2014/main" id="{C9D1588C-9D0D-4A18-8257-85DA2EE6BDF4}"/>
+                </a:ext>
+              </a:extLst>
+            </p:cNvPr>
+            <p:cNvCxnSpPr/>
+            <p:nvPr/>
+          </p:nvCxnSpPr>
+          <p:spPr>
+            <a:xfrm flipV="1">
+              <a:off x="3098259" y="976012"/>
+              <a:ext cx="1018161" cy="716601"/>
+            </a:xfrm>
+            <a:prstGeom prst="line">
+              <a:avLst/>
+            </a:prstGeom>
+            <a:ln>
+              <a:solidFill>
+                <a:schemeClr val="tx1"/>
+              </a:solidFill>
+            </a:ln>
+          </p:spPr>
+          <p:style>
+            <a:lnRef idx="1">
+              <a:schemeClr val="accent1"/>
+            </a:lnRef>
+            <a:fillRef idx="0">
+              <a:schemeClr val="accent1"/>
+            </a:fillRef>
+            <a:effectRef idx="0">
+              <a:schemeClr val="accent1"/>
+            </a:effectRef>
+            <a:fontRef idx="minor">
+              <a:schemeClr val="tx1"/>
+            </a:fontRef>
+          </p:style>
+        </p:cxnSp>
+        <p:cxnSp>
+          <p:nvCxnSpPr>
+            <p:cNvPr id="10" name="Straight Connector 9">
+              <a:extLst>
+                <a:ext uri="{FF2B5EF4-FFF2-40B4-BE49-F238E27FC236}">
+                  <a16:creationId xmlns:a16="http://schemas.microsoft.com/office/drawing/2014/main" id="{8EFF62A0-41B7-4A2F-826D-5BA3CCC677D3}"/>
+                </a:ext>
+              </a:extLst>
+            </p:cNvPr>
+            <p:cNvCxnSpPr>
+              <a:cxnSpLocks/>
+            </p:cNvCxnSpPr>
+            <p:nvPr/>
+          </p:nvCxnSpPr>
+          <p:spPr>
+            <a:xfrm flipV="1">
+              <a:off x="7251969" y="976012"/>
+              <a:ext cx="1018161" cy="716601"/>
+            </a:xfrm>
+            <a:prstGeom prst="line">
+              <a:avLst/>
+            </a:prstGeom>
+            <a:ln>
+              <a:solidFill>
+                <a:schemeClr val="tx1"/>
+              </a:solidFill>
+            </a:ln>
+          </p:spPr>
+          <p:style>
+            <a:lnRef idx="1">
+              <a:schemeClr val="accent1"/>
+            </a:lnRef>
+            <a:fillRef idx="0">
+              <a:schemeClr val="accent1"/>
+            </a:fillRef>
+            <a:effectRef idx="0">
+              <a:schemeClr val="accent1"/>
+            </a:effectRef>
+            <a:fontRef idx="minor">
+              <a:schemeClr val="tx1"/>
+            </a:fontRef>
+          </p:style>
+        </p:cxnSp>
+        <p:cxnSp>
+          <p:nvCxnSpPr>
+            <p:cNvPr id="18" name="Straight Connector 17">
+              <a:extLst>
+                <a:ext uri="{FF2B5EF4-FFF2-40B4-BE49-F238E27FC236}">
+                  <a16:creationId xmlns:a16="http://schemas.microsoft.com/office/drawing/2014/main" id="{F04153BF-9AC6-4792-A4A4-08509CD0AB62}"/>
+                </a:ext>
+              </a:extLst>
+            </p:cNvPr>
+            <p:cNvCxnSpPr>
+              <a:cxnSpLocks/>
+            </p:cNvCxnSpPr>
+            <p:nvPr/>
+          </p:nvCxnSpPr>
+          <p:spPr>
+            <a:xfrm>
+              <a:off x="3775734" y="1237899"/>
+              <a:ext cx="4077946" cy="0"/>
+            </a:xfrm>
+            <a:prstGeom prst="line">
+              <a:avLst/>
+            </a:prstGeom>
+            <a:ln>
+              <a:solidFill>
+                <a:schemeClr val="tx1"/>
+              </a:solidFill>
+            </a:ln>
+          </p:spPr>
+          <p:style>
+            <a:lnRef idx="1">
+              <a:schemeClr val="accent1"/>
+            </a:lnRef>
+            <a:fillRef idx="0">
+              <a:schemeClr val="accent1"/>
+            </a:fillRef>
+            <a:effectRef idx="0">
+              <a:schemeClr val="accent1"/>
+            </a:effectRef>
+            <a:fontRef idx="minor">
+              <a:schemeClr val="tx1"/>
+            </a:fontRef>
+          </p:style>
+        </p:cxnSp>
+      </p:grpSp>
+      <p:sp>
+        <p:nvSpPr>
+          <p:cNvPr id="31" name="Left Bracket 30">
+            <a:extLst>
+              <a:ext uri="{FF2B5EF4-FFF2-40B4-BE49-F238E27FC236}">
+                <a16:creationId xmlns:a16="http://schemas.microsoft.com/office/drawing/2014/main" id="{B2ED8FAC-BFCE-4CEA-92E1-605D42E3BF2B}"/>
+              </a:ext>
+            </a:extLst>
+          </p:cNvPr>
+          <p:cNvSpPr/>
+          <p:nvPr/>
+        </p:nvSpPr>
+        <p:spPr>
+          <a:xfrm rot="16200000">
+            <a:off x="5115791" y="4218739"/>
+            <a:ext cx="118645" cy="4153710"/>
+          </a:xfrm>
+          <a:prstGeom prst="leftBracket">
+            <a:avLst/>
+          </a:prstGeom>
+          <a:ln w="28575">
+            <a:solidFill>
+              <a:schemeClr val="tx1"/>
+            </a:solidFill>
+          </a:ln>
+        </p:spPr>
+        <p:style>
+          <a:lnRef idx="1">
+            <a:schemeClr val="accent1"/>
+          </a:lnRef>
+          <a:fillRef idx="0">
+            <a:schemeClr val="accent1"/>
+          </a:fillRef>
+          <a:effectRef idx="0">
+            <a:schemeClr val="accent1"/>
+          </a:effectRef>
+          <a:fontRef idx="minor">
+            <a:schemeClr val="tx1"/>
+          </a:fontRef>
+        </p:style>
+        <p:txBody>
+          <a:bodyPr rtlCol="0" anchor="ctr"/>
+          <a:lstStyle/>
+          <a:p>
+            <a:pPr algn="ctr"/>
+            <a:endParaRPr lang="en-US"/>
+          </a:p>
+        </p:txBody>
+      </p:sp>
+      <p:sp>
+        <p:nvSpPr>
+          <p:cNvPr id="34" name="Left Bracket 33">
+            <a:extLst>
+              <a:ext uri="{FF2B5EF4-FFF2-40B4-BE49-F238E27FC236}">
+                <a16:creationId xmlns:a16="http://schemas.microsoft.com/office/drawing/2014/main" id="{8B358D75-9372-46A2-ADB3-B1EE894D69E4}"/>
+              </a:ext>
+            </a:extLst>
+          </p:cNvPr>
+          <p:cNvSpPr/>
+          <p:nvPr/>
+        </p:nvSpPr>
+        <p:spPr>
+          <a:xfrm rot="13829067">
+            <a:off x="7892391" y="5243281"/>
+            <a:ext cx="56272" cy="1273385"/>
+          </a:xfrm>
+          <a:prstGeom prst="leftBracket">
+            <a:avLst/>
+          </a:prstGeom>
+          <a:ln w="28575">
+            <a:solidFill>
+              <a:schemeClr val="tx1"/>
+            </a:solidFill>
+          </a:ln>
+        </p:spPr>
+        <p:style>
+          <a:lnRef idx="1">
+            <a:schemeClr val="accent1"/>
+          </a:lnRef>
+          <a:fillRef idx="0">
+            <a:schemeClr val="accent1"/>
+          </a:fillRef>
+          <a:effectRef idx="0">
+            <a:schemeClr val="accent1"/>
+          </a:effectRef>
+          <a:fontRef idx="minor">
+            <a:schemeClr val="tx1"/>
+          </a:fontRef>
+        </p:style>
+        <p:txBody>
+          <a:bodyPr rtlCol="0" anchor="ctr"/>
+          <a:lstStyle/>
+          <a:p>
+            <a:pPr algn="ctr"/>
+            <a:endParaRPr lang="en-US"/>
+          </a:p>
+        </p:txBody>
+      </p:sp>
+      <p:sp>
+        <p:nvSpPr>
+          <p:cNvPr id="32" name="TextBox 31">
+            <a:extLst>
+              <a:ext uri="{FF2B5EF4-FFF2-40B4-BE49-F238E27FC236}">
+                <a16:creationId xmlns:a16="http://schemas.microsoft.com/office/drawing/2014/main" id="{31F34A13-26AA-4AF5-B4C6-0D50D1C37542}"/>
+              </a:ext>
+            </a:extLst>
+          </p:cNvPr>
+          <p:cNvSpPr txBox="1"/>
+          <p:nvPr/>
+        </p:nvSpPr>
+        <p:spPr>
+          <a:xfrm>
+            <a:off x="4966996" y="6367705"/>
+            <a:ext cx="1320910" cy="369332"/>
+          </a:xfrm>
+          <a:prstGeom prst="rect">
+            <a:avLst/>
+          </a:prstGeom>
+          <a:noFill/>
+        </p:spPr>
+        <p:txBody>
+          <a:bodyPr wrap="square" rtlCol="0">
+            <a:spAutoFit/>
+          </a:bodyPr>
+          <a:lstStyle/>
+          <a:p>
+            <a:r>
+              <a:rPr lang="en-US" b="1" dirty="0">
+                <a:latin typeface="Segoe UI" panose="020B0502040204020203" pitchFamily="34" charset="0"/>
+                <a:cs typeface="Segoe UI" panose="020B0502040204020203" pitchFamily="34" charset="0"/>
+              </a:rPr>
+              <a:t>5’-10’</a:t>
+            </a:r>
+          </a:p>
+        </p:txBody>
+      </p:sp>
+      <p:sp>
+        <p:nvSpPr>
+          <p:cNvPr id="36" name="TextBox 35">
+            <a:extLst>
+              <a:ext uri="{FF2B5EF4-FFF2-40B4-BE49-F238E27FC236}">
+                <a16:creationId xmlns:a16="http://schemas.microsoft.com/office/drawing/2014/main" id="{C90F1494-DDDF-446B-85D0-109E4E1910BA}"/>
+              </a:ext>
+            </a:extLst>
+          </p:cNvPr>
+          <p:cNvSpPr txBox="1"/>
+          <p:nvPr/>
+        </p:nvSpPr>
+        <p:spPr>
+          <a:xfrm>
+            <a:off x="7971271" y="5885838"/>
+            <a:ext cx="1320910" cy="369332"/>
+          </a:xfrm>
+          <a:prstGeom prst="rect">
+            <a:avLst/>
+          </a:prstGeom>
+          <a:noFill/>
+        </p:spPr>
+        <p:txBody>
+          <a:bodyPr wrap="square" rtlCol="0">
+            <a:spAutoFit/>
+          </a:bodyPr>
+          <a:lstStyle/>
+          <a:p>
+            <a:r>
+              <a:rPr lang="en-US" b="1" dirty="0">
+                <a:latin typeface="Segoe UI" panose="020B0502040204020203" pitchFamily="34" charset="0"/>
+                <a:cs typeface="Segoe UI" panose="020B0502040204020203" pitchFamily="34" charset="0"/>
+              </a:rPr>
+              <a:t>5’-10’</a:t>
+            </a:r>
+          </a:p>
+        </p:txBody>
+      </p:sp>
+      <p:cxnSp>
+        <p:nvCxnSpPr>
+          <p:cNvPr id="28" name="Straight Connector 27">
+            <a:extLst>
+              <a:ext uri="{FF2B5EF4-FFF2-40B4-BE49-F238E27FC236}">
+                <a16:creationId xmlns:a16="http://schemas.microsoft.com/office/drawing/2014/main" id="{76BEB4C1-6220-4025-9D7B-5D6EBC3CB127}"/>
+              </a:ext>
+            </a:extLst>
+          </p:cNvPr>
+          <p:cNvCxnSpPr>
+            <a:stCxn id="1026" idx="1"/>
+          </p:cNvCxnSpPr>
+          <p:nvPr/>
+        </p:nvCxnSpPr>
+        <p:spPr>
+          <a:xfrm>
+            <a:off x="6096000" y="1746493"/>
+            <a:ext cx="1155969" cy="4374150"/>
+          </a:xfrm>
+          <a:prstGeom prst="line">
+            <a:avLst/>
+          </a:prstGeom>
+        </p:spPr>
+        <p:style>
+          <a:lnRef idx="1">
+            <a:schemeClr val="accent1"/>
+          </a:lnRef>
+          <a:fillRef idx="0">
+            <a:schemeClr val="accent1"/>
+          </a:fillRef>
+          <a:effectRef idx="0">
+            <a:schemeClr val="accent1"/>
+          </a:effectRef>
+          <a:fontRef idx="minor">
+            <a:schemeClr val="tx1"/>
+          </a:fontRef>
+        </p:style>
+      </p:cxnSp>
+    </p:spTree>
+    <p:extLst>
+      <p:ext uri="{BB962C8B-B14F-4D97-AF65-F5344CB8AC3E}">
+        <p14:creationId xmlns:p14="http://schemas.microsoft.com/office/powerpoint/2010/main" val="962193771"/>
+      </p:ext>
+    </p:extLst>
+  </p:cSld>
+  <p:clrMapOvr>
+    <a:masterClrMapping/>
+  </p:clrMapOvr>
+</p:sld>
+</file>
+
 <file path=ppt/theme/theme1.xml><?xml version="1.0" encoding="utf-8"?>
 <a:theme xmlns:a="http://schemas.openxmlformats.org/drawingml/2006/main" name="Office Theme">
   <a:themeElements>

--- a/Docs/Images/Diagrams.pptx
+++ b/Docs/Images/Diagrams.pptx
@@ -7,6 +7,7 @@
   <p:sldIdLst>
     <p:sldId id="256" r:id="rId2"/>
     <p:sldId id="257" r:id="rId3"/>
+    <p:sldId id="258" r:id="rId4"/>
   </p:sldIdLst>
   <p:sldSz cx="12192000" cy="6858000"/>
   <p:notesSz cx="6858000" cy="9144000"/>
@@ -5430,6 +5431,500 @@
 </p:sld>
 </file>
 
+<file path=ppt/slides/slide3.xml><?xml version="1.0" encoding="utf-8"?>
+<p:sld xmlns:a="http://schemas.openxmlformats.org/drawingml/2006/main" xmlns:r="http://schemas.openxmlformats.org/officeDocument/2006/relationships" xmlns:p="http://schemas.openxmlformats.org/presentationml/2006/main">
+  <p:cSld>
+    <p:spTree>
+      <p:nvGrpSpPr>
+        <p:cNvPr id="1" name=""/>
+        <p:cNvGrpSpPr/>
+        <p:nvPr/>
+      </p:nvGrpSpPr>
+      <p:grpSpPr>
+        <a:xfrm>
+          <a:off x="0" y="0"/>
+          <a:ext cx="0" cy="0"/>
+          <a:chOff x="0" y="0"/>
+          <a:chExt cx="0" cy="0"/>
+        </a:xfrm>
+      </p:grpSpPr>
+      <p:sp>
+        <p:nvSpPr>
+          <p:cNvPr id="17" name="Rectangle 16">
+            <a:extLst>
+              <a:ext uri="{FF2B5EF4-FFF2-40B4-BE49-F238E27FC236}">
+                <a16:creationId xmlns:a16="http://schemas.microsoft.com/office/drawing/2014/main" id="{79BC3067-30C3-4321-BC0E-F91370C930C8}"/>
+              </a:ext>
+            </a:extLst>
+          </p:cNvPr>
+          <p:cNvSpPr/>
+          <p:nvPr/>
+        </p:nvSpPr>
+        <p:spPr>
+          <a:xfrm>
+            <a:off x="1215956" y="272374"/>
+            <a:ext cx="6780179" cy="6313251"/>
+          </a:xfrm>
+          <a:prstGeom prst="rect">
+            <a:avLst/>
+          </a:prstGeom>
+          <a:solidFill>
+            <a:schemeClr val="bg1"/>
+          </a:solidFill>
+          <a:ln>
+            <a:noFill/>
+          </a:ln>
+        </p:spPr>
+        <p:style>
+          <a:lnRef idx="2">
+            <a:schemeClr val="accent1">
+              <a:shade val="50000"/>
+            </a:schemeClr>
+          </a:lnRef>
+          <a:fillRef idx="1">
+            <a:schemeClr val="accent1"/>
+          </a:fillRef>
+          <a:effectRef idx="0">
+            <a:schemeClr val="accent1"/>
+          </a:effectRef>
+          <a:fontRef idx="minor">
+            <a:schemeClr val="lt1"/>
+          </a:fontRef>
+        </p:style>
+        <p:txBody>
+          <a:bodyPr rtlCol="0" anchor="ctr"/>
+          <a:lstStyle/>
+          <a:p>
+            <a:pPr algn="ctr"/>
+            <a:endParaRPr lang="en-US"/>
+          </a:p>
+        </p:txBody>
+      </p:sp>
+      <p:sp>
+        <p:nvSpPr>
+          <p:cNvPr id="5" name="Rectangle: Rounded Corners 4">
+            <a:extLst>
+              <a:ext uri="{FF2B5EF4-FFF2-40B4-BE49-F238E27FC236}">
+                <a16:creationId xmlns:a16="http://schemas.microsoft.com/office/drawing/2014/main" id="{11DF46EA-A9A2-43B8-80D9-39DE5A3294F3}"/>
+              </a:ext>
+            </a:extLst>
+          </p:cNvPr>
+          <p:cNvSpPr/>
+          <p:nvPr/>
+        </p:nvSpPr>
+        <p:spPr>
+          <a:xfrm>
+            <a:off x="3249038" y="1731523"/>
+            <a:ext cx="2714017" cy="4289898"/>
+          </a:xfrm>
+          <a:prstGeom prst="roundRect">
+            <a:avLst>
+              <a:gd name="adj" fmla="val 50000"/>
+            </a:avLst>
+          </a:prstGeom>
+          <a:solidFill>
+            <a:schemeClr val="accent1"/>
+          </a:solidFill>
+          <a:ln>
+            <a:solidFill>
+              <a:schemeClr val="accent1"/>
+            </a:solidFill>
+          </a:ln>
+        </p:spPr>
+        <p:style>
+          <a:lnRef idx="2">
+            <a:schemeClr val="accent1">
+              <a:shade val="50000"/>
+            </a:schemeClr>
+          </a:lnRef>
+          <a:fillRef idx="1">
+            <a:schemeClr val="accent1"/>
+          </a:fillRef>
+          <a:effectRef idx="0">
+            <a:schemeClr val="accent1"/>
+          </a:effectRef>
+          <a:fontRef idx="minor">
+            <a:schemeClr val="lt1"/>
+          </a:fontRef>
+        </p:style>
+        <p:txBody>
+          <a:bodyPr rtlCol="0" anchor="ctr"/>
+          <a:lstStyle/>
+          <a:p>
+            <a:pPr algn="ctr"/>
+            <a:endParaRPr lang="en-US"/>
+          </a:p>
+        </p:txBody>
+      </p:sp>
+      <p:sp>
+        <p:nvSpPr>
+          <p:cNvPr id="6" name="TextBox 5">
+            <a:extLst>
+              <a:ext uri="{FF2B5EF4-FFF2-40B4-BE49-F238E27FC236}">
+                <a16:creationId xmlns:a16="http://schemas.microsoft.com/office/drawing/2014/main" id="{87663AB9-D6B6-4A84-A9B8-B0D75AF2AA9C}"/>
+              </a:ext>
+            </a:extLst>
+          </p:cNvPr>
+          <p:cNvSpPr txBox="1"/>
+          <p:nvPr/>
+        </p:nvSpPr>
+        <p:spPr>
+          <a:xfrm>
+            <a:off x="3623552" y="1332690"/>
+            <a:ext cx="1964988" cy="369332"/>
+          </a:xfrm>
+          <a:prstGeom prst="rect">
+            <a:avLst/>
+          </a:prstGeom>
+          <a:noFill/>
+        </p:spPr>
+        <p:txBody>
+          <a:bodyPr wrap="square" rtlCol="0">
+            <a:spAutoFit/>
+          </a:bodyPr>
+          <a:lstStyle/>
+          <a:p>
+            <a:pPr algn="ctr"/>
+            <a:r>
+              <a:rPr lang="en-US" b="1" dirty="0">
+                <a:latin typeface="Segoe UI" panose="020B0502040204020203" pitchFamily="34" charset="0"/>
+                <a:cs typeface="Segoe UI" panose="020B0502040204020203" pitchFamily="34" charset="0"/>
+              </a:rPr>
+              <a:t>Nose</a:t>
+            </a:r>
+          </a:p>
+        </p:txBody>
+      </p:sp>
+      <p:sp>
+        <p:nvSpPr>
+          <p:cNvPr id="7" name="TextBox 6">
+            <a:extLst>
+              <a:ext uri="{FF2B5EF4-FFF2-40B4-BE49-F238E27FC236}">
+                <a16:creationId xmlns:a16="http://schemas.microsoft.com/office/drawing/2014/main" id="{31CB66AD-59AD-4B43-9EE7-0AF9CA0A9CE1}"/>
+              </a:ext>
+            </a:extLst>
+          </p:cNvPr>
+          <p:cNvSpPr txBox="1"/>
+          <p:nvPr/>
+        </p:nvSpPr>
+        <p:spPr>
+          <a:xfrm>
+            <a:off x="1556426" y="3691806"/>
+            <a:ext cx="1692612" cy="369332"/>
+          </a:xfrm>
+          <a:prstGeom prst="rect">
+            <a:avLst/>
+          </a:prstGeom>
+          <a:noFill/>
+        </p:spPr>
+        <p:txBody>
+          <a:bodyPr wrap="square" rtlCol="0">
+            <a:spAutoFit/>
+          </a:bodyPr>
+          <a:lstStyle/>
+          <a:p>
+            <a:pPr algn="ctr"/>
+            <a:r>
+              <a:rPr lang="en-US" b="1" dirty="0">
+                <a:latin typeface="Segoe UI" panose="020B0502040204020203" pitchFamily="34" charset="0"/>
+                <a:cs typeface="Segoe UI" panose="020B0502040204020203" pitchFamily="34" charset="0"/>
+              </a:rPr>
+              <a:t>Robot L</a:t>
+            </a:r>
+          </a:p>
+        </p:txBody>
+      </p:sp>
+      <p:sp>
+        <p:nvSpPr>
+          <p:cNvPr id="8" name="TextBox 7">
+            <a:extLst>
+              <a:ext uri="{FF2B5EF4-FFF2-40B4-BE49-F238E27FC236}">
+                <a16:creationId xmlns:a16="http://schemas.microsoft.com/office/drawing/2014/main" id="{62C7B343-6F14-4B93-935E-CB3CB9434E68}"/>
+              </a:ext>
+            </a:extLst>
+          </p:cNvPr>
+          <p:cNvSpPr txBox="1"/>
+          <p:nvPr/>
+        </p:nvSpPr>
+        <p:spPr>
+          <a:xfrm>
+            <a:off x="5963055" y="3691806"/>
+            <a:ext cx="1692612" cy="369332"/>
+          </a:xfrm>
+          <a:prstGeom prst="rect">
+            <a:avLst/>
+          </a:prstGeom>
+          <a:noFill/>
+        </p:spPr>
+        <p:txBody>
+          <a:bodyPr wrap="square" rtlCol="0">
+            <a:spAutoFit/>
+          </a:bodyPr>
+          <a:lstStyle/>
+          <a:p>
+            <a:pPr algn="ctr"/>
+            <a:r>
+              <a:rPr lang="en-US" b="1" dirty="0">
+                <a:latin typeface="Segoe UI" panose="020B0502040204020203" pitchFamily="34" charset="0"/>
+                <a:cs typeface="Segoe UI" panose="020B0502040204020203" pitchFamily="34" charset="0"/>
+              </a:rPr>
+              <a:t>Robot R</a:t>
+            </a:r>
+          </a:p>
+        </p:txBody>
+      </p:sp>
+      <p:sp>
+        <p:nvSpPr>
+          <p:cNvPr id="9" name="TextBox 8">
+            <a:extLst>
+              <a:ext uri="{FF2B5EF4-FFF2-40B4-BE49-F238E27FC236}">
+                <a16:creationId xmlns:a16="http://schemas.microsoft.com/office/drawing/2014/main" id="{AD4011EB-776B-43E5-BBF3-4BC8AAEDB019}"/>
+              </a:ext>
+            </a:extLst>
+          </p:cNvPr>
+          <p:cNvSpPr txBox="1"/>
+          <p:nvPr/>
+        </p:nvSpPr>
+        <p:spPr>
+          <a:xfrm>
+            <a:off x="3623552" y="6050922"/>
+            <a:ext cx="1964988" cy="369332"/>
+          </a:xfrm>
+          <a:prstGeom prst="rect">
+            <a:avLst/>
+          </a:prstGeom>
+          <a:noFill/>
+        </p:spPr>
+        <p:txBody>
+          <a:bodyPr wrap="square" rtlCol="0">
+            <a:spAutoFit/>
+          </a:bodyPr>
+          <a:lstStyle/>
+          <a:p>
+            <a:pPr algn="ctr"/>
+            <a:r>
+              <a:rPr lang="en-US" b="1" dirty="0">
+                <a:latin typeface="Segoe UI" panose="020B0502040204020203" pitchFamily="34" charset="0"/>
+                <a:cs typeface="Segoe UI" panose="020B0502040204020203" pitchFamily="34" charset="0"/>
+              </a:rPr>
+              <a:t>Tail</a:t>
+            </a:r>
+          </a:p>
+        </p:txBody>
+      </p:sp>
+      <p:sp>
+        <p:nvSpPr>
+          <p:cNvPr id="10" name="Oval 9">
+            <a:extLst>
+              <a:ext uri="{FF2B5EF4-FFF2-40B4-BE49-F238E27FC236}">
+                <a16:creationId xmlns:a16="http://schemas.microsoft.com/office/drawing/2014/main" id="{AC2EA5D8-53CF-4C85-98E2-ED962BF87C01}"/>
+              </a:ext>
+            </a:extLst>
+          </p:cNvPr>
+          <p:cNvSpPr/>
+          <p:nvPr/>
+        </p:nvSpPr>
+        <p:spPr>
+          <a:xfrm>
+            <a:off x="4338535" y="2042490"/>
+            <a:ext cx="535022" cy="535022"/>
+          </a:xfrm>
+          <a:prstGeom prst="ellipse">
+            <a:avLst/>
+          </a:prstGeom>
+          <a:solidFill>
+            <a:schemeClr val="bg1"/>
+          </a:solidFill>
+          <a:ln>
+            <a:noFill/>
+          </a:ln>
+        </p:spPr>
+        <p:style>
+          <a:lnRef idx="2">
+            <a:schemeClr val="accent1">
+              <a:shade val="50000"/>
+            </a:schemeClr>
+          </a:lnRef>
+          <a:fillRef idx="1">
+            <a:schemeClr val="accent1"/>
+          </a:fillRef>
+          <a:effectRef idx="0">
+            <a:schemeClr val="accent1"/>
+          </a:effectRef>
+          <a:fontRef idx="minor">
+            <a:schemeClr val="lt1"/>
+          </a:fontRef>
+        </p:style>
+        <p:txBody>
+          <a:bodyPr rtlCol="0" anchor="ctr"/>
+          <a:lstStyle/>
+          <a:p>
+            <a:pPr algn="ctr"/>
+            <a:endParaRPr lang="en-US"/>
+          </a:p>
+        </p:txBody>
+      </p:sp>
+      <p:sp>
+        <p:nvSpPr>
+          <p:cNvPr id="12" name="Oval 11">
+            <a:extLst>
+              <a:ext uri="{FF2B5EF4-FFF2-40B4-BE49-F238E27FC236}">
+                <a16:creationId xmlns:a16="http://schemas.microsoft.com/office/drawing/2014/main" id="{3D412732-C7BD-4B4A-B6F4-99F340D2AB02}"/>
+              </a:ext>
+            </a:extLst>
+          </p:cNvPr>
+          <p:cNvSpPr/>
+          <p:nvPr/>
+        </p:nvSpPr>
+        <p:spPr>
+          <a:xfrm>
+            <a:off x="4873557" y="4444904"/>
+            <a:ext cx="535022" cy="535022"/>
+          </a:xfrm>
+          <a:prstGeom prst="ellipse">
+            <a:avLst/>
+          </a:prstGeom>
+          <a:solidFill>
+            <a:schemeClr val="bg1"/>
+          </a:solidFill>
+          <a:ln>
+            <a:noFill/>
+          </a:ln>
+        </p:spPr>
+        <p:style>
+          <a:lnRef idx="2">
+            <a:schemeClr val="accent1">
+              <a:shade val="50000"/>
+            </a:schemeClr>
+          </a:lnRef>
+          <a:fillRef idx="1">
+            <a:schemeClr val="accent1"/>
+          </a:fillRef>
+          <a:effectRef idx="0">
+            <a:schemeClr val="accent1"/>
+          </a:effectRef>
+          <a:fontRef idx="minor">
+            <a:schemeClr val="lt1"/>
+          </a:fontRef>
+        </p:style>
+        <p:txBody>
+          <a:bodyPr rtlCol="0" anchor="ctr"/>
+          <a:lstStyle/>
+          <a:p>
+            <a:pPr algn="ctr"/>
+            <a:endParaRPr lang="en-US"/>
+          </a:p>
+        </p:txBody>
+      </p:sp>
+      <p:sp>
+        <p:nvSpPr>
+          <p:cNvPr id="13" name="Oval 12">
+            <a:extLst>
+              <a:ext uri="{FF2B5EF4-FFF2-40B4-BE49-F238E27FC236}">
+                <a16:creationId xmlns:a16="http://schemas.microsoft.com/office/drawing/2014/main" id="{6F67419E-0F0C-4777-BAF4-311DBC818589}"/>
+              </a:ext>
+            </a:extLst>
+          </p:cNvPr>
+          <p:cNvSpPr/>
+          <p:nvPr/>
+        </p:nvSpPr>
+        <p:spPr>
+          <a:xfrm>
+            <a:off x="3803513" y="4439564"/>
+            <a:ext cx="535022" cy="535022"/>
+          </a:xfrm>
+          <a:prstGeom prst="ellipse">
+            <a:avLst/>
+          </a:prstGeom>
+          <a:solidFill>
+            <a:schemeClr val="bg1"/>
+          </a:solidFill>
+          <a:ln>
+            <a:noFill/>
+          </a:ln>
+        </p:spPr>
+        <p:style>
+          <a:lnRef idx="2">
+            <a:schemeClr val="accent1">
+              <a:shade val="50000"/>
+            </a:schemeClr>
+          </a:lnRef>
+          <a:fillRef idx="1">
+            <a:schemeClr val="accent1"/>
+          </a:fillRef>
+          <a:effectRef idx="0">
+            <a:schemeClr val="accent1"/>
+          </a:effectRef>
+          <a:fontRef idx="minor">
+            <a:schemeClr val="lt1"/>
+          </a:fontRef>
+        </p:style>
+        <p:txBody>
+          <a:bodyPr rtlCol="0" anchor="ctr"/>
+          <a:lstStyle/>
+          <a:p>
+            <a:pPr algn="ctr"/>
+            <a:endParaRPr lang="en-US"/>
+          </a:p>
+        </p:txBody>
+      </p:sp>
+      <p:cxnSp>
+        <p:nvCxnSpPr>
+          <p:cNvPr id="15" name="Straight Arrow Connector 14">
+            <a:extLst>
+              <a:ext uri="{FF2B5EF4-FFF2-40B4-BE49-F238E27FC236}">
+                <a16:creationId xmlns:a16="http://schemas.microsoft.com/office/drawing/2014/main" id="{3453A800-3894-4040-A4C8-BB95B0D1874C}"/>
+              </a:ext>
+            </a:extLst>
+          </p:cNvPr>
+          <p:cNvCxnSpPr>
+            <a:cxnSpLocks/>
+          </p:cNvCxnSpPr>
+          <p:nvPr/>
+        </p:nvCxnSpPr>
+        <p:spPr>
+          <a:xfrm flipV="1">
+            <a:off x="4606046" y="505838"/>
+            <a:ext cx="0" cy="749031"/>
+          </a:xfrm>
+          <a:prstGeom prst="straightConnector1">
+            <a:avLst/>
+          </a:prstGeom>
+          <a:ln w="38100">
+            <a:solidFill>
+              <a:schemeClr val="tx1"/>
+            </a:solidFill>
+            <a:tailEnd type="triangle"/>
+          </a:ln>
+        </p:spPr>
+        <p:style>
+          <a:lnRef idx="1">
+            <a:schemeClr val="accent1"/>
+          </a:lnRef>
+          <a:fillRef idx="0">
+            <a:schemeClr val="accent1"/>
+          </a:fillRef>
+          <a:effectRef idx="0">
+            <a:schemeClr val="accent1"/>
+          </a:effectRef>
+          <a:fontRef idx="minor">
+            <a:schemeClr val="tx1"/>
+          </a:fontRef>
+        </p:style>
+      </p:cxnSp>
+    </p:spTree>
+    <p:extLst>
+      <p:ext uri="{BB962C8B-B14F-4D97-AF65-F5344CB8AC3E}">
+        <p14:creationId xmlns:p14="http://schemas.microsoft.com/office/powerpoint/2010/main" val="3751147481"/>
+      </p:ext>
+    </p:extLst>
+  </p:cSld>
+  <p:clrMapOvr>
+    <a:masterClrMapping/>
+  </p:clrMapOvr>
+</p:sld>
+</file>
+
 <file path=ppt/theme/theme1.xml><?xml version="1.0" encoding="utf-8"?>
 <a:theme xmlns:a="http://schemas.openxmlformats.org/drawingml/2006/main" name="Office Theme">
   <a:themeElements>
